--- a/Capgemini-Todo-Project-Slideshow.pptx
+++ b/Capgemini-Todo-Project-Slideshow.pptx
@@ -3759,8 +3759,12 @@
           <a:lstStyle/>
           <a:p>
             <a:r>
+              <a:rPr lang="en-US"/>
+              <a:t> Run </a:t>
+            </a:r>
+            <a:r>
               <a:rPr lang="en-US" dirty="0"/>
-              <a:t>Run the application: `python3 main.py`.</a:t>
+              <a:t>the application: `python3 main.py`.</a:t>
             </a:r>
           </a:p>
           <a:p>
